--- a/final/ppts/Fake Currency Detection Using Image Processing.pptx
+++ b/final/ppts/Fake Currency Detection Using Image Processing.pptx
@@ -7919,9 +7919,7 @@
           </a:prstGeom>
           <a:noFill/>
           <a:ln>
-            <a:solidFill>
-              <a:schemeClr val="tx1"/>
-            </a:solidFill>
+            <a:noFill/>
           </a:ln>
         </p:spPr>
         <p:txBody>
@@ -7960,9 +7958,7 @@
           </a:prstGeom>
           <a:noFill/>
           <a:ln>
-            <a:solidFill>
-              <a:schemeClr val="tx1"/>
-            </a:solidFill>
+            <a:noFill/>
           </a:ln>
         </p:spPr>
         <p:txBody>
